--- a/LTN/Report/img/Predicate.pptx
+++ b/LTN/Report/img/Predicate.pptx
@@ -3108,7 +3108,7 @@
         </p:nvSpPr>
         <p:spPr>
           <a:xfrm>
-            <a:off x="307181" y="8501063"/>
+            <a:off x="307181" y="8284858"/>
             <a:ext cx="6243637" cy="528637"/>
           </a:xfrm>
           <a:prstGeom prst="roundRect">
@@ -3161,7 +3161,7 @@
         </p:nvSpPr>
         <p:spPr>
           <a:xfrm>
-            <a:off x="307181" y="7528320"/>
+            <a:off x="307181" y="7064472"/>
             <a:ext cx="2907508" cy="528637"/>
           </a:xfrm>
           <a:prstGeom prst="roundRect">
@@ -3214,7 +3214,7 @@
         </p:nvSpPr>
         <p:spPr>
           <a:xfrm>
-            <a:off x="3643310" y="7528319"/>
+            <a:off x="3643310" y="7064471"/>
             <a:ext cx="2907508" cy="528637"/>
           </a:xfrm>
           <a:prstGeom prst="roundRect">
@@ -3267,7 +3267,7 @@
         </p:nvSpPr>
         <p:spPr>
           <a:xfrm>
-            <a:off x="1975245" y="5831681"/>
+            <a:off x="1966314" y="4723713"/>
             <a:ext cx="2907508" cy="528637"/>
           </a:xfrm>
           <a:prstGeom prst="roundRect">
@@ -3320,7 +3320,7 @@
         </p:nvSpPr>
         <p:spPr>
           <a:xfrm>
-            <a:off x="1975246" y="4499370"/>
+            <a:off x="1975246" y="3499227"/>
             <a:ext cx="2907508" cy="528637"/>
           </a:xfrm>
           <a:prstGeom prst="roundRect">
@@ -3373,7 +3373,7 @@
         </p:nvSpPr>
         <p:spPr>
           <a:xfrm>
-            <a:off x="1975245" y="3164679"/>
+            <a:off x="1975245" y="2278840"/>
             <a:ext cx="2907508" cy="528637"/>
           </a:xfrm>
           <a:prstGeom prst="roundRect">
@@ -3426,7 +3426,7 @@
         </p:nvSpPr>
         <p:spPr>
           <a:xfrm>
-            <a:off x="2809278" y="1829988"/>
+            <a:off x="2809278" y="1058453"/>
             <a:ext cx="1239444" cy="528637"/>
           </a:xfrm>
           <a:prstGeom prst="roundRect">
@@ -3461,7 +3461,7 @@
                   <a:schemeClr val="tx1"/>
                 </a:solidFill>
               </a:rPr>
-              <a:t>Sigmoid</a:t>
+              <a:t>Output</a:t>
             </a:r>
             <a:endParaRPr kumimoji="1" lang="zh-CN" altLang="en-US" dirty="0">
               <a:solidFill>
@@ -3739,7 +3739,7 @@
         </p:nvSpPr>
         <p:spPr>
           <a:xfrm>
-            <a:off x="3214689" y="6729413"/>
+            <a:off x="3214688" y="5944100"/>
             <a:ext cx="428621" cy="428621"/>
           </a:xfrm>
           <a:prstGeom prst="ellipse">
@@ -3769,14 +3769,14 @@
           <a:p>
             <a:pPr algn="ctr"/>
             <a:r>
-              <a:rPr kumimoji="1" lang="en-US" altLang="zh-CN" sz="4000" dirty="0" smtClean="0">
+              <a:rPr kumimoji="1" lang="en-US" altLang="zh-CN" sz="3200" dirty="0" smtClean="0">
                 <a:solidFill>
                   <a:schemeClr val="tx1"/>
                 </a:solidFill>
               </a:rPr>
               <a:t>+</a:t>
             </a:r>
-            <a:endParaRPr kumimoji="1" lang="zh-CN" altLang="en-US" sz="4000" dirty="0">
+            <a:endParaRPr kumimoji="1" lang="zh-CN" altLang="en-US" sz="3200" dirty="0">
               <a:solidFill>
                 <a:schemeClr val="tx1"/>
               </a:solidFill>
@@ -3784,6 +3784,330 @@
           </a:p>
         </p:txBody>
       </p:sp>
+      <p:cxnSp>
+        <p:nvCxnSpPr>
+          <p:cNvPr id="27" name="直线箭头连接符 26"/>
+          <p:cNvCxnSpPr>
+            <a:stCxn id="4" idx="0"/>
+            <a:endCxn id="6" idx="2"/>
+          </p:cNvCxnSpPr>
+          <p:nvPr/>
+        </p:nvCxnSpPr>
+        <p:spPr>
+          <a:xfrm flipV="1">
+            <a:off x="3428999" y="8813495"/>
+            <a:ext cx="1" cy="694835"/>
+          </a:xfrm>
+          <a:prstGeom prst="straightConnector1">
+            <a:avLst/>
+          </a:prstGeom>
+          <a:ln>
+            <a:tailEnd type="triangle"/>
+          </a:ln>
+        </p:spPr>
+        <p:style>
+          <a:lnRef idx="1">
+            <a:schemeClr val="accent1"/>
+          </a:lnRef>
+          <a:fillRef idx="0">
+            <a:schemeClr val="accent1"/>
+          </a:fillRef>
+          <a:effectRef idx="0">
+            <a:schemeClr val="accent1"/>
+          </a:effectRef>
+          <a:fontRef idx="minor">
+            <a:schemeClr val="tx1"/>
+          </a:fontRef>
+        </p:style>
+      </p:cxnSp>
+      <p:cxnSp>
+        <p:nvCxnSpPr>
+          <p:cNvPr id="28" name="直线箭头连接符 27"/>
+          <p:cNvCxnSpPr>
+            <a:stCxn id="6" idx="0"/>
+            <a:endCxn id="7" idx="2"/>
+          </p:cNvCxnSpPr>
+          <p:nvPr/>
+        </p:nvCxnSpPr>
+        <p:spPr>
+          <a:xfrm flipH="1" flipV="1">
+            <a:off x="1760935" y="7593109"/>
+            <a:ext cx="1668065" cy="691749"/>
+          </a:xfrm>
+          <a:prstGeom prst="straightConnector1">
+            <a:avLst/>
+          </a:prstGeom>
+          <a:ln>
+            <a:tailEnd type="triangle"/>
+          </a:ln>
+        </p:spPr>
+        <p:style>
+          <a:lnRef idx="1">
+            <a:schemeClr val="accent1"/>
+          </a:lnRef>
+          <a:fillRef idx="0">
+            <a:schemeClr val="accent1"/>
+          </a:fillRef>
+          <a:effectRef idx="0">
+            <a:schemeClr val="accent1"/>
+          </a:effectRef>
+          <a:fontRef idx="minor">
+            <a:schemeClr val="tx1"/>
+          </a:fontRef>
+        </p:style>
+      </p:cxnSp>
+      <p:cxnSp>
+        <p:nvCxnSpPr>
+          <p:cNvPr id="31" name="直线箭头连接符 30"/>
+          <p:cNvCxnSpPr>
+            <a:stCxn id="6" idx="0"/>
+            <a:endCxn id="8" idx="2"/>
+          </p:cNvCxnSpPr>
+          <p:nvPr/>
+        </p:nvCxnSpPr>
+        <p:spPr>
+          <a:xfrm flipV="1">
+            <a:off x="3429000" y="7593108"/>
+            <a:ext cx="1668064" cy="691750"/>
+          </a:xfrm>
+          <a:prstGeom prst="straightConnector1">
+            <a:avLst/>
+          </a:prstGeom>
+          <a:ln>
+            <a:tailEnd type="triangle"/>
+          </a:ln>
+        </p:spPr>
+        <p:style>
+          <a:lnRef idx="1">
+            <a:schemeClr val="accent1"/>
+          </a:lnRef>
+          <a:fillRef idx="0">
+            <a:schemeClr val="accent1"/>
+          </a:fillRef>
+          <a:effectRef idx="0">
+            <a:schemeClr val="accent1"/>
+          </a:effectRef>
+          <a:fontRef idx="minor">
+            <a:schemeClr val="tx1"/>
+          </a:fontRef>
+        </p:style>
+      </p:cxnSp>
+      <p:cxnSp>
+        <p:nvCxnSpPr>
+          <p:cNvPr id="34" name="直线箭头连接符 33"/>
+          <p:cNvCxnSpPr>
+            <a:stCxn id="7" idx="0"/>
+            <a:endCxn id="25" idx="4"/>
+          </p:cNvCxnSpPr>
+          <p:nvPr/>
+        </p:nvCxnSpPr>
+        <p:spPr>
+          <a:xfrm flipV="1">
+            <a:off x="1760935" y="6372721"/>
+            <a:ext cx="1668064" cy="691751"/>
+          </a:xfrm>
+          <a:prstGeom prst="straightConnector1">
+            <a:avLst/>
+          </a:prstGeom>
+          <a:ln>
+            <a:tailEnd type="triangle"/>
+          </a:ln>
+        </p:spPr>
+        <p:style>
+          <a:lnRef idx="1">
+            <a:schemeClr val="accent1"/>
+          </a:lnRef>
+          <a:fillRef idx="0">
+            <a:schemeClr val="accent1"/>
+          </a:fillRef>
+          <a:effectRef idx="0">
+            <a:schemeClr val="accent1"/>
+          </a:effectRef>
+          <a:fontRef idx="minor">
+            <a:schemeClr val="tx1"/>
+          </a:fontRef>
+        </p:style>
+      </p:cxnSp>
+      <p:cxnSp>
+        <p:nvCxnSpPr>
+          <p:cNvPr id="37" name="直线箭头连接符 36"/>
+          <p:cNvCxnSpPr>
+            <a:stCxn id="8" idx="0"/>
+            <a:endCxn id="25" idx="4"/>
+          </p:cNvCxnSpPr>
+          <p:nvPr/>
+        </p:nvCxnSpPr>
+        <p:spPr>
+          <a:xfrm flipH="1" flipV="1">
+            <a:off x="3428999" y="6372721"/>
+            <a:ext cx="1668065" cy="691750"/>
+          </a:xfrm>
+          <a:prstGeom prst="straightConnector1">
+            <a:avLst/>
+          </a:prstGeom>
+          <a:ln>
+            <a:tailEnd type="triangle"/>
+          </a:ln>
+        </p:spPr>
+        <p:style>
+          <a:lnRef idx="1">
+            <a:schemeClr val="accent1"/>
+          </a:lnRef>
+          <a:fillRef idx="0">
+            <a:schemeClr val="accent1"/>
+          </a:fillRef>
+          <a:effectRef idx="0">
+            <a:schemeClr val="accent1"/>
+          </a:effectRef>
+          <a:fontRef idx="minor">
+            <a:schemeClr val="tx1"/>
+          </a:fontRef>
+        </p:style>
+      </p:cxnSp>
+      <p:cxnSp>
+        <p:nvCxnSpPr>
+          <p:cNvPr id="40" name="直线箭头连接符 39"/>
+          <p:cNvCxnSpPr>
+            <a:stCxn id="25" idx="0"/>
+            <a:endCxn id="13" idx="2"/>
+          </p:cNvCxnSpPr>
+          <p:nvPr/>
+        </p:nvCxnSpPr>
+        <p:spPr>
+          <a:xfrm flipH="1" flipV="1">
+            <a:off x="3420068" y="5252350"/>
+            <a:ext cx="8931" cy="691750"/>
+          </a:xfrm>
+          <a:prstGeom prst="straightConnector1">
+            <a:avLst/>
+          </a:prstGeom>
+          <a:ln>
+            <a:tailEnd type="triangle"/>
+          </a:ln>
+        </p:spPr>
+        <p:style>
+          <a:lnRef idx="1">
+            <a:schemeClr val="accent1"/>
+          </a:lnRef>
+          <a:fillRef idx="0">
+            <a:schemeClr val="accent1"/>
+          </a:fillRef>
+          <a:effectRef idx="0">
+            <a:schemeClr val="accent1"/>
+          </a:effectRef>
+          <a:fontRef idx="minor">
+            <a:schemeClr val="tx1"/>
+          </a:fontRef>
+        </p:style>
+      </p:cxnSp>
+      <p:cxnSp>
+        <p:nvCxnSpPr>
+          <p:cNvPr id="43" name="直线箭头连接符 42"/>
+          <p:cNvCxnSpPr>
+            <a:stCxn id="13" idx="0"/>
+            <a:endCxn id="14" idx="2"/>
+          </p:cNvCxnSpPr>
+          <p:nvPr/>
+        </p:nvCxnSpPr>
+        <p:spPr>
+          <a:xfrm flipV="1">
+            <a:off x="3420068" y="4027864"/>
+            <a:ext cx="8932" cy="695849"/>
+          </a:xfrm>
+          <a:prstGeom prst="straightConnector1">
+            <a:avLst/>
+          </a:prstGeom>
+          <a:ln>
+            <a:tailEnd type="triangle"/>
+          </a:ln>
+        </p:spPr>
+        <p:style>
+          <a:lnRef idx="1">
+            <a:schemeClr val="accent1"/>
+          </a:lnRef>
+          <a:fillRef idx="0">
+            <a:schemeClr val="accent1"/>
+          </a:fillRef>
+          <a:effectRef idx="0">
+            <a:schemeClr val="accent1"/>
+          </a:effectRef>
+          <a:fontRef idx="minor">
+            <a:schemeClr val="tx1"/>
+          </a:fontRef>
+        </p:style>
+      </p:cxnSp>
+      <p:cxnSp>
+        <p:nvCxnSpPr>
+          <p:cNvPr id="46" name="直线箭头连接符 45"/>
+          <p:cNvCxnSpPr>
+            <a:stCxn id="14" idx="0"/>
+            <a:endCxn id="15" idx="2"/>
+          </p:cNvCxnSpPr>
+          <p:nvPr/>
+        </p:nvCxnSpPr>
+        <p:spPr>
+          <a:xfrm flipH="1" flipV="1">
+            <a:off x="3428999" y="2807477"/>
+            <a:ext cx="1" cy="691750"/>
+          </a:xfrm>
+          <a:prstGeom prst="straightConnector1">
+            <a:avLst/>
+          </a:prstGeom>
+          <a:ln>
+            <a:tailEnd type="triangle"/>
+          </a:ln>
+        </p:spPr>
+        <p:style>
+          <a:lnRef idx="1">
+            <a:schemeClr val="accent1"/>
+          </a:lnRef>
+          <a:fillRef idx="0">
+            <a:schemeClr val="accent1"/>
+          </a:fillRef>
+          <a:effectRef idx="0">
+            <a:schemeClr val="accent1"/>
+          </a:effectRef>
+          <a:fontRef idx="minor">
+            <a:schemeClr val="tx1"/>
+          </a:fontRef>
+        </p:style>
+      </p:cxnSp>
+      <p:cxnSp>
+        <p:nvCxnSpPr>
+          <p:cNvPr id="49" name="直线箭头连接符 48"/>
+          <p:cNvCxnSpPr>
+            <a:stCxn id="15" idx="0"/>
+            <a:endCxn id="20" idx="2"/>
+          </p:cNvCxnSpPr>
+          <p:nvPr/>
+        </p:nvCxnSpPr>
+        <p:spPr>
+          <a:xfrm flipV="1">
+            <a:off x="3428999" y="1587090"/>
+            <a:ext cx="1" cy="691750"/>
+          </a:xfrm>
+          <a:prstGeom prst="straightConnector1">
+            <a:avLst/>
+          </a:prstGeom>
+          <a:ln>
+            <a:tailEnd type="triangle"/>
+          </a:ln>
+        </p:spPr>
+        <p:style>
+          <a:lnRef idx="1">
+            <a:schemeClr val="accent1"/>
+          </a:lnRef>
+          <a:fillRef idx="0">
+            <a:schemeClr val="accent1"/>
+          </a:fillRef>
+          <a:effectRef idx="0">
+            <a:schemeClr val="accent1"/>
+          </a:effectRef>
+          <a:fontRef idx="minor">
+            <a:schemeClr val="tx1"/>
+          </a:fontRef>
+        </p:style>
+      </p:cxnSp>
     </p:spTree>
     <p:extLst>
       <p:ext uri="{BB962C8B-B14F-4D97-AF65-F5344CB8AC3E}">
@@ -3794,6 +4118,13 @@
   <p:clrMapOvr>
     <a:masterClrMapping/>
   </p:clrMapOvr>
+  <p:timing>
+    <p:tnLst>
+      <p:par>
+        <p:cTn id="1" dur="indefinite" restart="never" nodeType="tmRoot"/>
+      </p:par>
+    </p:tnLst>
+  </p:timing>
 </p:sld>
 </file>
 

--- a/LTN/Report/img/Predicate.pptx
+++ b/LTN/Report/img/Predicate.pptx
@@ -2,12 +2,12 @@
 <file path=ppt/presentation.xml><?xml version="1.0" encoding="utf-8"?>
 <p:presentation xmlns:a="http://schemas.openxmlformats.org/drawingml/2006/main" xmlns:r="http://schemas.openxmlformats.org/officeDocument/2006/relationships" xmlns:p="http://schemas.openxmlformats.org/presentationml/2006/main" saveSubsetFonts="1" autoCompressPictures="0">
   <p:sldMasterIdLst>
-    <p:sldMasterId id="2147483660" r:id="rId1"/>
+    <p:sldMasterId id="2147483696" r:id="rId1"/>
   </p:sldMasterIdLst>
   <p:sldIdLst>
     <p:sldId id="256" r:id="rId2"/>
   </p:sldIdLst>
-  <p:sldSz cx="6858000" cy="12192000"/>
+  <p:sldSz cx="5486400" cy="8229600"/>
   <p:notesSz cx="6858000" cy="9144000"/>
   <p:defaultTextStyle>
     <a:defPPr>
@@ -107,12 +107,12 @@
   <p:extLst>
     <p:ext uri="{EFAFB233-063F-42B5-8137-9DF3F51BA10A}">
       <p15:sldGuideLst xmlns:p15="http://schemas.microsoft.com/office/powerpoint/2012/main">
-        <p15:guide id="1" orient="horz" pos="3840" userDrawn="1">
+        <p15:guide id="1" orient="horz" pos="2592" userDrawn="1">
           <p15:clr>
             <a:srgbClr val="A4A3A4"/>
           </p15:clr>
         </p15:guide>
-        <p15:guide id="2" pos="2160" userDrawn="1">
+        <p15:guide id="2" pos="1728" userDrawn="1">
           <p15:clr>
             <a:srgbClr val="A4A3A4"/>
           </p15:clr>
@@ -152,15 +152,15 @@
         </p:nvSpPr>
         <p:spPr>
           <a:xfrm>
-            <a:off x="514350" y="1995312"/>
-            <a:ext cx="5829300" cy="4244622"/>
+            <a:off x="411480" y="1346836"/>
+            <a:ext cx="4663440" cy="2865120"/>
           </a:xfrm>
         </p:spPr>
         <p:txBody>
           <a:bodyPr anchor="b"/>
           <a:lstStyle>
             <a:lvl1pPr algn="ctr">
-              <a:defRPr sz="4500"/>
+              <a:defRPr sz="3600"/>
             </a:lvl1pPr>
           </a:lstStyle>
           <a:p>
@@ -184,8 +184,8 @@
         </p:nvSpPr>
         <p:spPr>
           <a:xfrm>
-            <a:off x="857250" y="6403623"/>
-            <a:ext cx="5143500" cy="2943577"/>
+            <a:off x="685800" y="4322446"/>
+            <a:ext cx="4114800" cy="1986914"/>
           </a:xfrm>
         </p:spPr>
         <p:txBody>
@@ -193,39 +193,39 @@
           <a:lstStyle>
             <a:lvl1pPr marL="0" indent="0" algn="ctr">
               <a:buNone/>
-              <a:defRPr sz="1800"/>
+              <a:defRPr sz="1440"/>
             </a:lvl1pPr>
-            <a:lvl2pPr marL="342900" indent="0" algn="ctr">
-              <a:buNone/>
-              <a:defRPr sz="1500"/>
+            <a:lvl2pPr marL="274320" indent="0" algn="ctr">
+              <a:buNone/>
+              <a:defRPr sz="1200"/>
             </a:lvl2pPr>
-            <a:lvl3pPr marL="685800" indent="0" algn="ctr">
-              <a:buNone/>
-              <a:defRPr sz="1350"/>
+            <a:lvl3pPr marL="548640" indent="0" algn="ctr">
+              <a:buNone/>
+              <a:defRPr sz="1080"/>
             </a:lvl3pPr>
-            <a:lvl4pPr marL="1028700" indent="0" algn="ctr">
-              <a:buNone/>
-              <a:defRPr sz="1200"/>
+            <a:lvl4pPr marL="822960" indent="0" algn="ctr">
+              <a:buNone/>
+              <a:defRPr sz="960"/>
             </a:lvl4pPr>
-            <a:lvl5pPr marL="1371600" indent="0" algn="ctr">
-              <a:buNone/>
-              <a:defRPr sz="1200"/>
+            <a:lvl5pPr marL="1097280" indent="0" algn="ctr">
+              <a:buNone/>
+              <a:defRPr sz="960"/>
             </a:lvl5pPr>
-            <a:lvl6pPr marL="1714500" indent="0" algn="ctr">
-              <a:buNone/>
-              <a:defRPr sz="1200"/>
+            <a:lvl6pPr marL="1371600" indent="0" algn="ctr">
+              <a:buNone/>
+              <a:defRPr sz="960"/>
             </a:lvl6pPr>
-            <a:lvl7pPr marL="2057400" indent="0" algn="ctr">
-              <a:buNone/>
-              <a:defRPr sz="1200"/>
+            <a:lvl7pPr marL="1645920" indent="0" algn="ctr">
+              <a:buNone/>
+              <a:defRPr sz="960"/>
             </a:lvl7pPr>
-            <a:lvl8pPr marL="2400300" indent="0" algn="ctr">
-              <a:buNone/>
-              <a:defRPr sz="1200"/>
+            <a:lvl8pPr marL="1920240" indent="0" algn="ctr">
+              <a:buNone/>
+              <a:defRPr sz="960"/>
             </a:lvl8pPr>
-            <a:lvl9pPr marL="2743200" indent="0" algn="ctr">
-              <a:buNone/>
-              <a:defRPr sz="1200"/>
+            <a:lvl9pPr marL="2194560" indent="0" algn="ctr">
+              <a:buNone/>
+              <a:defRPr sz="960"/>
             </a:lvl9pPr>
           </a:lstStyle>
           <a:p>
@@ -254,7 +254,7 @@
           <a:p>
             <a:fld id="{B29B6049-6F9D-6E4B-B038-B204D8B90115}" type="datetimeFigureOut">
               <a:rPr kumimoji="1" lang="zh-CN" altLang="en-US" smtClean="0"/>
-              <a:t>2017/12/19</a:t>
+              <a:t>2017/12/20</a:t>
             </a:fld>
             <a:endParaRPr kumimoji="1" lang="zh-CN" altLang="en-US"/>
           </a:p>
@@ -419,7 +419,7 @@
           <a:p>
             <a:fld id="{B29B6049-6F9D-6E4B-B038-B204D8B90115}" type="datetimeFigureOut">
               <a:rPr kumimoji="1" lang="zh-CN" altLang="en-US" smtClean="0"/>
-              <a:t>2017/12/19</a:t>
+              <a:t>2017/12/20</a:t>
             </a:fld>
             <a:endParaRPr kumimoji="1" lang="zh-CN" altLang="en-US"/>
           </a:p>
@@ -504,8 +504,8 @@
         </p:nvSpPr>
         <p:spPr>
           <a:xfrm>
-            <a:off x="4907757" y="649111"/>
-            <a:ext cx="1478756" cy="10332156"/>
+            <a:off x="3926205" y="438150"/>
+            <a:ext cx="1183005" cy="6974206"/>
           </a:xfrm>
         </p:spPr>
         <p:txBody>
@@ -532,8 +532,8 @@
         </p:nvSpPr>
         <p:spPr>
           <a:xfrm>
-            <a:off x="471488" y="649111"/>
-            <a:ext cx="4350544" cy="10332156"/>
+            <a:off x="377190" y="438150"/>
+            <a:ext cx="3480435" cy="6974206"/>
           </a:xfrm>
         </p:spPr>
         <p:txBody>
@@ -594,7 +594,7 @@
           <a:p>
             <a:fld id="{B29B6049-6F9D-6E4B-B038-B204D8B90115}" type="datetimeFigureOut">
               <a:rPr kumimoji="1" lang="zh-CN" altLang="en-US" smtClean="0"/>
-              <a:t>2017/12/19</a:t>
+              <a:t>2017/12/20</a:t>
             </a:fld>
             <a:endParaRPr kumimoji="1" lang="zh-CN" altLang="en-US"/>
           </a:p>
@@ -759,7 +759,7 @@
           <a:p>
             <a:fld id="{B29B6049-6F9D-6E4B-B038-B204D8B90115}" type="datetimeFigureOut">
               <a:rPr kumimoji="1" lang="zh-CN" altLang="en-US" smtClean="0"/>
-              <a:t>2017/12/19</a:t>
+              <a:t>2017/12/20</a:t>
             </a:fld>
             <a:endParaRPr kumimoji="1" lang="zh-CN" altLang="en-US"/>
           </a:p>
@@ -844,15 +844,15 @@
         </p:nvSpPr>
         <p:spPr>
           <a:xfrm>
-            <a:off x="467916" y="3039537"/>
-            <a:ext cx="5915025" cy="5071532"/>
+            <a:off x="374333" y="2051688"/>
+            <a:ext cx="4732020" cy="3423284"/>
           </a:xfrm>
         </p:spPr>
         <p:txBody>
           <a:bodyPr anchor="b"/>
           <a:lstStyle>
             <a:lvl1pPr>
-              <a:defRPr sz="4500"/>
+              <a:defRPr sz="3600"/>
             </a:lvl1pPr>
           </a:lstStyle>
           <a:p>
@@ -876,8 +876,8 @@
         </p:nvSpPr>
         <p:spPr>
           <a:xfrm>
-            <a:off x="467916" y="8159048"/>
-            <a:ext cx="5915025" cy="2666999"/>
+            <a:off x="374333" y="5507358"/>
+            <a:ext cx="4732020" cy="1800224"/>
           </a:xfrm>
         </p:spPr>
         <p:txBody>
@@ -885,15 +885,15 @@
           <a:lstStyle>
             <a:lvl1pPr marL="0" indent="0">
               <a:buNone/>
-              <a:defRPr sz="1800">
+              <a:defRPr sz="1440">
                 <a:solidFill>
                   <a:schemeClr val="tx1"/>
                 </a:solidFill>
               </a:defRPr>
             </a:lvl1pPr>
-            <a:lvl2pPr marL="342900" indent="0">
-              <a:buNone/>
-              <a:defRPr sz="1500">
+            <a:lvl2pPr marL="274320" indent="0">
+              <a:buNone/>
+              <a:defRPr sz="1200">
                 <a:solidFill>
                   <a:schemeClr val="tx1">
                     <a:tint val="75000"/>
@@ -901,9 +901,9 @@
                 </a:solidFill>
               </a:defRPr>
             </a:lvl2pPr>
-            <a:lvl3pPr marL="685800" indent="0">
-              <a:buNone/>
-              <a:defRPr sz="1350">
+            <a:lvl3pPr marL="548640" indent="0">
+              <a:buNone/>
+              <a:defRPr sz="1080">
                 <a:solidFill>
                   <a:schemeClr val="tx1">
                     <a:tint val="75000"/>
@@ -911,9 +911,9 @@
                 </a:solidFill>
               </a:defRPr>
             </a:lvl3pPr>
-            <a:lvl4pPr marL="1028700" indent="0">
-              <a:buNone/>
-              <a:defRPr sz="1200">
+            <a:lvl4pPr marL="822960" indent="0">
+              <a:buNone/>
+              <a:defRPr sz="960">
                 <a:solidFill>
                   <a:schemeClr val="tx1">
                     <a:tint val="75000"/>
@@ -921,9 +921,9 @@
                 </a:solidFill>
               </a:defRPr>
             </a:lvl4pPr>
-            <a:lvl5pPr marL="1371600" indent="0">
-              <a:buNone/>
-              <a:defRPr sz="1200">
+            <a:lvl5pPr marL="1097280" indent="0">
+              <a:buNone/>
+              <a:defRPr sz="960">
                 <a:solidFill>
                   <a:schemeClr val="tx1">
                     <a:tint val="75000"/>
@@ -931,9 +931,9 @@
                 </a:solidFill>
               </a:defRPr>
             </a:lvl5pPr>
-            <a:lvl6pPr marL="1714500" indent="0">
-              <a:buNone/>
-              <a:defRPr sz="1200">
+            <a:lvl6pPr marL="1371600" indent="0">
+              <a:buNone/>
+              <a:defRPr sz="960">
                 <a:solidFill>
                   <a:schemeClr val="tx1">
                     <a:tint val="75000"/>
@@ -941,9 +941,9 @@
                 </a:solidFill>
               </a:defRPr>
             </a:lvl6pPr>
-            <a:lvl7pPr marL="2057400" indent="0">
-              <a:buNone/>
-              <a:defRPr sz="1200">
+            <a:lvl7pPr marL="1645920" indent="0">
+              <a:buNone/>
+              <a:defRPr sz="960">
                 <a:solidFill>
                   <a:schemeClr val="tx1">
                     <a:tint val="75000"/>
@@ -951,9 +951,9 @@
                 </a:solidFill>
               </a:defRPr>
             </a:lvl7pPr>
-            <a:lvl8pPr marL="2400300" indent="0">
-              <a:buNone/>
-              <a:defRPr sz="1200">
+            <a:lvl8pPr marL="1920240" indent="0">
+              <a:buNone/>
+              <a:defRPr sz="960">
                 <a:solidFill>
                   <a:schemeClr val="tx1">
                     <a:tint val="75000"/>
@@ -961,9 +961,9 @@
                 </a:solidFill>
               </a:defRPr>
             </a:lvl8pPr>
-            <a:lvl9pPr marL="2743200" indent="0">
-              <a:buNone/>
-              <a:defRPr sz="1200">
+            <a:lvl9pPr marL="2194560" indent="0">
+              <a:buNone/>
+              <a:defRPr sz="960">
                 <a:solidFill>
                   <a:schemeClr val="tx1">
                     <a:tint val="75000"/>
@@ -998,7 +998,7 @@
           <a:p>
             <a:fld id="{B29B6049-6F9D-6E4B-B038-B204D8B90115}" type="datetimeFigureOut">
               <a:rPr kumimoji="1" lang="zh-CN" altLang="en-US" smtClean="0"/>
-              <a:t>2017/12/19</a:t>
+              <a:t>2017/12/20</a:t>
             </a:fld>
             <a:endParaRPr kumimoji="1" lang="zh-CN" altLang="en-US"/>
           </a:p>
@@ -1106,8 +1106,8 @@
         </p:nvSpPr>
         <p:spPr>
           <a:xfrm>
-            <a:off x="471488" y="3245556"/>
-            <a:ext cx="2914650" cy="7735712"/>
+            <a:off x="377190" y="2190750"/>
+            <a:ext cx="2331720" cy="5221606"/>
           </a:xfrm>
         </p:spPr>
         <p:txBody>
@@ -1163,8 +1163,8 @@
         </p:nvSpPr>
         <p:spPr>
           <a:xfrm>
-            <a:off x="3471863" y="3245556"/>
-            <a:ext cx="2914650" cy="7735712"/>
+            <a:off x="2777490" y="2190750"/>
+            <a:ext cx="2331720" cy="5221606"/>
           </a:xfrm>
         </p:spPr>
         <p:txBody>
@@ -1225,7 +1225,7 @@
           <a:p>
             <a:fld id="{B29B6049-6F9D-6E4B-B038-B204D8B90115}" type="datetimeFigureOut">
               <a:rPr kumimoji="1" lang="zh-CN" altLang="en-US" smtClean="0"/>
-              <a:t>2017/12/19</a:t>
+              <a:t>2017/12/20</a:t>
             </a:fld>
             <a:endParaRPr kumimoji="1" lang="zh-CN" altLang="en-US"/>
           </a:p>
@@ -1310,8 +1310,8 @@
         </p:nvSpPr>
         <p:spPr>
           <a:xfrm>
-            <a:off x="472381" y="649114"/>
-            <a:ext cx="5915025" cy="2356556"/>
+            <a:off x="377905" y="438152"/>
+            <a:ext cx="4732020" cy="1590676"/>
           </a:xfrm>
         </p:spPr>
         <p:txBody>
@@ -1338,8 +1338,8 @@
         </p:nvSpPr>
         <p:spPr>
           <a:xfrm>
-            <a:off x="472381" y="2988734"/>
-            <a:ext cx="2901255" cy="1464732"/>
+            <a:off x="377905" y="2017396"/>
+            <a:ext cx="2321004" cy="988694"/>
           </a:xfrm>
         </p:spPr>
         <p:txBody>
@@ -1347,39 +1347,39 @@
           <a:lstStyle>
             <a:lvl1pPr marL="0" indent="0">
               <a:buNone/>
-              <a:defRPr sz="1800" b="1"/>
+              <a:defRPr sz="1440" b="1"/>
             </a:lvl1pPr>
-            <a:lvl2pPr marL="342900" indent="0">
-              <a:buNone/>
-              <a:defRPr sz="1500" b="1"/>
+            <a:lvl2pPr marL="274320" indent="0">
+              <a:buNone/>
+              <a:defRPr sz="1200" b="1"/>
             </a:lvl2pPr>
-            <a:lvl3pPr marL="685800" indent="0">
-              <a:buNone/>
-              <a:defRPr sz="1350" b="1"/>
+            <a:lvl3pPr marL="548640" indent="0">
+              <a:buNone/>
+              <a:defRPr sz="1080" b="1"/>
             </a:lvl3pPr>
-            <a:lvl4pPr marL="1028700" indent="0">
-              <a:buNone/>
-              <a:defRPr sz="1200" b="1"/>
+            <a:lvl4pPr marL="822960" indent="0">
+              <a:buNone/>
+              <a:defRPr sz="960" b="1"/>
             </a:lvl4pPr>
-            <a:lvl5pPr marL="1371600" indent="0">
-              <a:buNone/>
-              <a:defRPr sz="1200" b="1"/>
+            <a:lvl5pPr marL="1097280" indent="0">
+              <a:buNone/>
+              <a:defRPr sz="960" b="1"/>
             </a:lvl5pPr>
-            <a:lvl6pPr marL="1714500" indent="0">
-              <a:buNone/>
-              <a:defRPr sz="1200" b="1"/>
+            <a:lvl6pPr marL="1371600" indent="0">
+              <a:buNone/>
+              <a:defRPr sz="960" b="1"/>
             </a:lvl6pPr>
-            <a:lvl7pPr marL="2057400" indent="0">
-              <a:buNone/>
-              <a:defRPr sz="1200" b="1"/>
+            <a:lvl7pPr marL="1645920" indent="0">
+              <a:buNone/>
+              <a:defRPr sz="960" b="1"/>
             </a:lvl7pPr>
-            <a:lvl8pPr marL="2400300" indent="0">
-              <a:buNone/>
-              <a:defRPr sz="1200" b="1"/>
+            <a:lvl8pPr marL="1920240" indent="0">
+              <a:buNone/>
+              <a:defRPr sz="960" b="1"/>
             </a:lvl8pPr>
-            <a:lvl9pPr marL="2743200" indent="0">
-              <a:buNone/>
-              <a:defRPr sz="1200" b="1"/>
+            <a:lvl9pPr marL="2194560" indent="0">
+              <a:buNone/>
+              <a:defRPr sz="960" b="1"/>
             </a:lvl9pPr>
           </a:lstStyle>
           <a:p>
@@ -1403,8 +1403,8 @@
         </p:nvSpPr>
         <p:spPr>
           <a:xfrm>
-            <a:off x="472381" y="4453467"/>
-            <a:ext cx="2901255" cy="6550379"/>
+            <a:off x="377905" y="3006090"/>
+            <a:ext cx="2321004" cy="4421506"/>
           </a:xfrm>
         </p:spPr>
         <p:txBody>
@@ -1460,8 +1460,8 @@
         </p:nvSpPr>
         <p:spPr>
           <a:xfrm>
-            <a:off x="3471863" y="2988734"/>
-            <a:ext cx="2915543" cy="1464732"/>
+            <a:off x="2777490" y="2017396"/>
+            <a:ext cx="2332435" cy="988694"/>
           </a:xfrm>
         </p:spPr>
         <p:txBody>
@@ -1469,39 +1469,39 @@
           <a:lstStyle>
             <a:lvl1pPr marL="0" indent="0">
               <a:buNone/>
-              <a:defRPr sz="1800" b="1"/>
+              <a:defRPr sz="1440" b="1"/>
             </a:lvl1pPr>
-            <a:lvl2pPr marL="342900" indent="0">
-              <a:buNone/>
-              <a:defRPr sz="1500" b="1"/>
+            <a:lvl2pPr marL="274320" indent="0">
+              <a:buNone/>
+              <a:defRPr sz="1200" b="1"/>
             </a:lvl2pPr>
-            <a:lvl3pPr marL="685800" indent="0">
-              <a:buNone/>
-              <a:defRPr sz="1350" b="1"/>
+            <a:lvl3pPr marL="548640" indent="0">
+              <a:buNone/>
+              <a:defRPr sz="1080" b="1"/>
             </a:lvl3pPr>
-            <a:lvl4pPr marL="1028700" indent="0">
-              <a:buNone/>
-              <a:defRPr sz="1200" b="1"/>
+            <a:lvl4pPr marL="822960" indent="0">
+              <a:buNone/>
+              <a:defRPr sz="960" b="1"/>
             </a:lvl4pPr>
-            <a:lvl5pPr marL="1371600" indent="0">
-              <a:buNone/>
-              <a:defRPr sz="1200" b="1"/>
+            <a:lvl5pPr marL="1097280" indent="0">
+              <a:buNone/>
+              <a:defRPr sz="960" b="1"/>
             </a:lvl5pPr>
-            <a:lvl6pPr marL="1714500" indent="0">
-              <a:buNone/>
-              <a:defRPr sz="1200" b="1"/>
+            <a:lvl6pPr marL="1371600" indent="0">
+              <a:buNone/>
+              <a:defRPr sz="960" b="1"/>
             </a:lvl6pPr>
-            <a:lvl7pPr marL="2057400" indent="0">
-              <a:buNone/>
-              <a:defRPr sz="1200" b="1"/>
+            <a:lvl7pPr marL="1645920" indent="0">
+              <a:buNone/>
+              <a:defRPr sz="960" b="1"/>
             </a:lvl7pPr>
-            <a:lvl8pPr marL="2400300" indent="0">
-              <a:buNone/>
-              <a:defRPr sz="1200" b="1"/>
+            <a:lvl8pPr marL="1920240" indent="0">
+              <a:buNone/>
+              <a:defRPr sz="960" b="1"/>
             </a:lvl8pPr>
-            <a:lvl9pPr marL="2743200" indent="0">
-              <a:buNone/>
-              <a:defRPr sz="1200" b="1"/>
+            <a:lvl9pPr marL="2194560" indent="0">
+              <a:buNone/>
+              <a:defRPr sz="960" b="1"/>
             </a:lvl9pPr>
           </a:lstStyle>
           <a:p>
@@ -1525,8 +1525,8 @@
         </p:nvSpPr>
         <p:spPr>
           <a:xfrm>
-            <a:off x="3471863" y="4453467"/>
-            <a:ext cx="2915543" cy="6550379"/>
+            <a:off x="2777490" y="3006090"/>
+            <a:ext cx="2332435" cy="4421506"/>
           </a:xfrm>
         </p:spPr>
         <p:txBody>
@@ -1587,7 +1587,7 @@
           <a:p>
             <a:fld id="{B29B6049-6F9D-6E4B-B038-B204D8B90115}" type="datetimeFigureOut">
               <a:rPr kumimoji="1" lang="zh-CN" altLang="en-US" smtClean="0"/>
-              <a:t>2017/12/19</a:t>
+              <a:t>2017/12/20</a:t>
             </a:fld>
             <a:endParaRPr kumimoji="1" lang="zh-CN" altLang="en-US"/>
           </a:p>
@@ -1700,7 +1700,7 @@
           <a:p>
             <a:fld id="{B29B6049-6F9D-6E4B-B038-B204D8B90115}" type="datetimeFigureOut">
               <a:rPr kumimoji="1" lang="zh-CN" altLang="en-US" smtClean="0"/>
-              <a:t>2017/12/19</a:t>
+              <a:t>2017/12/20</a:t>
             </a:fld>
             <a:endParaRPr kumimoji="1" lang="zh-CN" altLang="en-US"/>
           </a:p>
@@ -1790,7 +1790,7 @@
           <a:p>
             <a:fld id="{B29B6049-6F9D-6E4B-B038-B204D8B90115}" type="datetimeFigureOut">
               <a:rPr kumimoji="1" lang="zh-CN" altLang="en-US" smtClean="0"/>
-              <a:t>2017/12/19</a:t>
+              <a:t>2017/12/20</a:t>
             </a:fld>
             <a:endParaRPr kumimoji="1" lang="zh-CN" altLang="en-US"/>
           </a:p>
@@ -1875,15 +1875,15 @@
         </p:nvSpPr>
         <p:spPr>
           <a:xfrm>
-            <a:off x="472381" y="812800"/>
-            <a:ext cx="2211884" cy="2844800"/>
+            <a:off x="377905" y="548640"/>
+            <a:ext cx="1769507" cy="1920240"/>
           </a:xfrm>
         </p:spPr>
         <p:txBody>
           <a:bodyPr anchor="b"/>
           <a:lstStyle>
             <a:lvl1pPr>
-              <a:defRPr sz="2400"/>
+              <a:defRPr sz="1920"/>
             </a:lvl1pPr>
           </a:lstStyle>
           <a:p>
@@ -1907,39 +1907,39 @@
         </p:nvSpPr>
         <p:spPr>
           <a:xfrm>
-            <a:off x="2915543" y="1755425"/>
-            <a:ext cx="3471863" cy="8664222"/>
+            <a:off x="2332435" y="1184912"/>
+            <a:ext cx="2777490" cy="5848350"/>
           </a:xfrm>
         </p:spPr>
         <p:txBody>
           <a:bodyPr/>
           <a:lstStyle>
             <a:lvl1pPr>
-              <a:defRPr sz="2400"/>
+              <a:defRPr sz="1920"/>
             </a:lvl1pPr>
             <a:lvl2pPr>
-              <a:defRPr sz="2100"/>
+              <a:defRPr sz="1680"/>
             </a:lvl2pPr>
             <a:lvl3pPr>
-              <a:defRPr sz="1800"/>
+              <a:defRPr sz="1440"/>
             </a:lvl3pPr>
             <a:lvl4pPr>
-              <a:defRPr sz="1500"/>
+              <a:defRPr sz="1200"/>
             </a:lvl4pPr>
             <a:lvl5pPr>
-              <a:defRPr sz="1500"/>
+              <a:defRPr sz="1200"/>
             </a:lvl5pPr>
             <a:lvl6pPr>
-              <a:defRPr sz="1500"/>
+              <a:defRPr sz="1200"/>
             </a:lvl6pPr>
             <a:lvl7pPr>
-              <a:defRPr sz="1500"/>
+              <a:defRPr sz="1200"/>
             </a:lvl7pPr>
             <a:lvl8pPr>
-              <a:defRPr sz="1500"/>
+              <a:defRPr sz="1200"/>
             </a:lvl8pPr>
             <a:lvl9pPr>
-              <a:defRPr sz="1500"/>
+              <a:defRPr sz="1200"/>
             </a:lvl9pPr>
           </a:lstStyle>
           <a:p>
@@ -1992,8 +1992,8 @@
         </p:nvSpPr>
         <p:spPr>
           <a:xfrm>
-            <a:off x="472381" y="3657600"/>
-            <a:ext cx="2211884" cy="6776156"/>
+            <a:off x="377905" y="2468880"/>
+            <a:ext cx="1769507" cy="4573906"/>
           </a:xfrm>
         </p:spPr>
         <p:txBody>
@@ -2001,39 +2001,39 @@
           <a:lstStyle>
             <a:lvl1pPr marL="0" indent="0">
               <a:buNone/>
-              <a:defRPr sz="1200"/>
+              <a:defRPr sz="960"/>
             </a:lvl1pPr>
-            <a:lvl2pPr marL="342900" indent="0">
-              <a:buNone/>
-              <a:defRPr sz="1050"/>
+            <a:lvl2pPr marL="274320" indent="0">
+              <a:buNone/>
+              <a:defRPr sz="840"/>
             </a:lvl2pPr>
-            <a:lvl3pPr marL="685800" indent="0">
-              <a:buNone/>
-              <a:defRPr sz="900"/>
+            <a:lvl3pPr marL="548640" indent="0">
+              <a:buNone/>
+              <a:defRPr sz="720"/>
             </a:lvl3pPr>
-            <a:lvl4pPr marL="1028700" indent="0">
-              <a:buNone/>
-              <a:defRPr sz="750"/>
+            <a:lvl4pPr marL="822960" indent="0">
+              <a:buNone/>
+              <a:defRPr sz="600"/>
             </a:lvl4pPr>
-            <a:lvl5pPr marL="1371600" indent="0">
-              <a:buNone/>
-              <a:defRPr sz="750"/>
+            <a:lvl5pPr marL="1097280" indent="0">
+              <a:buNone/>
+              <a:defRPr sz="600"/>
             </a:lvl5pPr>
-            <a:lvl6pPr marL="1714500" indent="0">
-              <a:buNone/>
-              <a:defRPr sz="750"/>
+            <a:lvl6pPr marL="1371600" indent="0">
+              <a:buNone/>
+              <a:defRPr sz="600"/>
             </a:lvl6pPr>
-            <a:lvl7pPr marL="2057400" indent="0">
-              <a:buNone/>
-              <a:defRPr sz="750"/>
+            <a:lvl7pPr marL="1645920" indent="0">
+              <a:buNone/>
+              <a:defRPr sz="600"/>
             </a:lvl7pPr>
-            <a:lvl8pPr marL="2400300" indent="0">
-              <a:buNone/>
-              <a:defRPr sz="750"/>
+            <a:lvl8pPr marL="1920240" indent="0">
+              <a:buNone/>
+              <a:defRPr sz="600"/>
             </a:lvl8pPr>
-            <a:lvl9pPr marL="2743200" indent="0">
-              <a:buNone/>
-              <a:defRPr sz="750"/>
+            <a:lvl9pPr marL="2194560" indent="0">
+              <a:buNone/>
+              <a:defRPr sz="600"/>
             </a:lvl9pPr>
           </a:lstStyle>
           <a:p>
@@ -2062,7 +2062,7 @@
           <a:p>
             <a:fld id="{B29B6049-6F9D-6E4B-B038-B204D8B90115}" type="datetimeFigureOut">
               <a:rPr kumimoji="1" lang="zh-CN" altLang="en-US" smtClean="0"/>
-              <a:t>2017/12/19</a:t>
+              <a:t>2017/12/20</a:t>
             </a:fld>
             <a:endParaRPr kumimoji="1" lang="zh-CN" altLang="en-US"/>
           </a:p>
@@ -2147,15 +2147,15 @@
         </p:nvSpPr>
         <p:spPr>
           <a:xfrm>
-            <a:off x="472381" y="812800"/>
-            <a:ext cx="2211884" cy="2844800"/>
+            <a:off x="377905" y="548640"/>
+            <a:ext cx="1769507" cy="1920240"/>
           </a:xfrm>
         </p:spPr>
         <p:txBody>
           <a:bodyPr anchor="b"/>
           <a:lstStyle>
             <a:lvl1pPr>
-              <a:defRPr sz="2400"/>
+              <a:defRPr sz="1920"/>
             </a:lvl1pPr>
           </a:lstStyle>
           <a:p>
@@ -2179,8 +2179,8 @@
         </p:nvSpPr>
         <p:spPr>
           <a:xfrm>
-            <a:off x="2915543" y="1755425"/>
-            <a:ext cx="3471863" cy="8664222"/>
+            <a:off x="2332435" y="1184912"/>
+            <a:ext cx="2777490" cy="5848350"/>
           </a:xfrm>
         </p:spPr>
         <p:txBody>
@@ -2188,39 +2188,39 @@
           <a:lstStyle>
             <a:lvl1pPr marL="0" indent="0">
               <a:buNone/>
-              <a:defRPr sz="2400"/>
+              <a:defRPr sz="1920"/>
             </a:lvl1pPr>
-            <a:lvl2pPr marL="342900" indent="0">
-              <a:buNone/>
-              <a:defRPr sz="2100"/>
+            <a:lvl2pPr marL="274320" indent="0">
+              <a:buNone/>
+              <a:defRPr sz="1680"/>
             </a:lvl2pPr>
-            <a:lvl3pPr marL="685800" indent="0">
-              <a:buNone/>
-              <a:defRPr sz="1800"/>
+            <a:lvl3pPr marL="548640" indent="0">
+              <a:buNone/>
+              <a:defRPr sz="1440"/>
             </a:lvl3pPr>
-            <a:lvl4pPr marL="1028700" indent="0">
-              <a:buNone/>
-              <a:defRPr sz="1500"/>
+            <a:lvl4pPr marL="822960" indent="0">
+              <a:buNone/>
+              <a:defRPr sz="1200"/>
             </a:lvl4pPr>
-            <a:lvl5pPr marL="1371600" indent="0">
-              <a:buNone/>
-              <a:defRPr sz="1500"/>
+            <a:lvl5pPr marL="1097280" indent="0">
+              <a:buNone/>
+              <a:defRPr sz="1200"/>
             </a:lvl5pPr>
-            <a:lvl6pPr marL="1714500" indent="0">
-              <a:buNone/>
-              <a:defRPr sz="1500"/>
+            <a:lvl6pPr marL="1371600" indent="0">
+              <a:buNone/>
+              <a:defRPr sz="1200"/>
             </a:lvl6pPr>
-            <a:lvl7pPr marL="2057400" indent="0">
-              <a:buNone/>
-              <a:defRPr sz="1500"/>
+            <a:lvl7pPr marL="1645920" indent="0">
+              <a:buNone/>
+              <a:defRPr sz="1200"/>
             </a:lvl7pPr>
-            <a:lvl8pPr marL="2400300" indent="0">
-              <a:buNone/>
-              <a:defRPr sz="1500"/>
+            <a:lvl8pPr marL="1920240" indent="0">
+              <a:buNone/>
+              <a:defRPr sz="1200"/>
             </a:lvl8pPr>
-            <a:lvl9pPr marL="2743200" indent="0">
-              <a:buNone/>
-              <a:defRPr sz="1500"/>
+            <a:lvl9pPr marL="2194560" indent="0">
+              <a:buNone/>
+              <a:defRPr sz="1200"/>
             </a:lvl9pPr>
           </a:lstStyle>
           <a:p>
@@ -2244,8 +2244,8 @@
         </p:nvSpPr>
         <p:spPr>
           <a:xfrm>
-            <a:off x="472381" y="3657600"/>
-            <a:ext cx="2211884" cy="6776156"/>
+            <a:off x="377905" y="2468880"/>
+            <a:ext cx="1769507" cy="4573906"/>
           </a:xfrm>
         </p:spPr>
         <p:txBody>
@@ -2253,39 +2253,39 @@
           <a:lstStyle>
             <a:lvl1pPr marL="0" indent="0">
               <a:buNone/>
-              <a:defRPr sz="1200"/>
+              <a:defRPr sz="960"/>
             </a:lvl1pPr>
-            <a:lvl2pPr marL="342900" indent="0">
-              <a:buNone/>
-              <a:defRPr sz="1050"/>
+            <a:lvl2pPr marL="274320" indent="0">
+              <a:buNone/>
+              <a:defRPr sz="840"/>
             </a:lvl2pPr>
-            <a:lvl3pPr marL="685800" indent="0">
-              <a:buNone/>
-              <a:defRPr sz="900"/>
+            <a:lvl3pPr marL="548640" indent="0">
+              <a:buNone/>
+              <a:defRPr sz="720"/>
             </a:lvl3pPr>
-            <a:lvl4pPr marL="1028700" indent="0">
-              <a:buNone/>
-              <a:defRPr sz="750"/>
+            <a:lvl4pPr marL="822960" indent="0">
+              <a:buNone/>
+              <a:defRPr sz="600"/>
             </a:lvl4pPr>
-            <a:lvl5pPr marL="1371600" indent="0">
-              <a:buNone/>
-              <a:defRPr sz="750"/>
+            <a:lvl5pPr marL="1097280" indent="0">
+              <a:buNone/>
+              <a:defRPr sz="600"/>
             </a:lvl5pPr>
-            <a:lvl6pPr marL="1714500" indent="0">
-              <a:buNone/>
-              <a:defRPr sz="750"/>
+            <a:lvl6pPr marL="1371600" indent="0">
+              <a:buNone/>
+              <a:defRPr sz="600"/>
             </a:lvl6pPr>
-            <a:lvl7pPr marL="2057400" indent="0">
-              <a:buNone/>
-              <a:defRPr sz="750"/>
+            <a:lvl7pPr marL="1645920" indent="0">
+              <a:buNone/>
+              <a:defRPr sz="600"/>
             </a:lvl7pPr>
-            <a:lvl8pPr marL="2400300" indent="0">
-              <a:buNone/>
-              <a:defRPr sz="750"/>
+            <a:lvl8pPr marL="1920240" indent="0">
+              <a:buNone/>
+              <a:defRPr sz="600"/>
             </a:lvl8pPr>
-            <a:lvl9pPr marL="2743200" indent="0">
-              <a:buNone/>
-              <a:defRPr sz="750"/>
+            <a:lvl9pPr marL="2194560" indent="0">
+              <a:buNone/>
+              <a:defRPr sz="600"/>
             </a:lvl9pPr>
           </a:lstStyle>
           <a:p>
@@ -2314,7 +2314,7 @@
           <a:p>
             <a:fld id="{B29B6049-6F9D-6E4B-B038-B204D8B90115}" type="datetimeFigureOut">
               <a:rPr kumimoji="1" lang="zh-CN" altLang="en-US" smtClean="0"/>
-              <a:t>2017/12/19</a:t>
+              <a:t>2017/12/20</a:t>
             </a:fld>
             <a:endParaRPr kumimoji="1" lang="zh-CN" altLang="en-US"/>
           </a:p>
@@ -2404,8 +2404,8 @@
         </p:nvSpPr>
         <p:spPr>
           <a:xfrm>
-            <a:off x="471488" y="649114"/>
-            <a:ext cx="5915025" cy="2356556"/>
+            <a:off x="377190" y="438152"/>
+            <a:ext cx="4732020" cy="1590676"/>
           </a:xfrm>
           <a:prstGeom prst="rect">
             <a:avLst/>
@@ -2437,8 +2437,8 @@
         </p:nvSpPr>
         <p:spPr>
           <a:xfrm>
-            <a:off x="471488" y="3245556"/>
-            <a:ext cx="5915025" cy="7735712"/>
+            <a:off x="377190" y="2190750"/>
+            <a:ext cx="4732020" cy="5221606"/>
           </a:xfrm>
           <a:prstGeom prst="rect">
             <a:avLst/>
@@ -2499,8 +2499,8 @@
         </p:nvSpPr>
         <p:spPr>
           <a:xfrm>
-            <a:off x="471488" y="11300181"/>
-            <a:ext cx="1543050" cy="649111"/>
+            <a:off x="377190" y="7627622"/>
+            <a:ext cx="1234440" cy="438150"/>
           </a:xfrm>
           <a:prstGeom prst="rect">
             <a:avLst/>
@@ -2510,7 +2510,7 @@
           <a:bodyPr vert="horz" lIns="91440" tIns="45720" rIns="91440" bIns="45720" rtlCol="0" anchor="ctr"/>
           <a:lstStyle>
             <a:lvl1pPr algn="l">
-              <a:defRPr sz="900">
+              <a:defRPr sz="720">
                 <a:solidFill>
                   <a:schemeClr val="tx1">
                     <a:tint val="75000"/>
@@ -2522,7 +2522,7 @@
           <a:p>
             <a:fld id="{B29B6049-6F9D-6E4B-B038-B204D8B90115}" type="datetimeFigureOut">
               <a:rPr kumimoji="1" lang="zh-CN" altLang="en-US" smtClean="0"/>
-              <a:t>2017/12/19</a:t>
+              <a:t>2017/12/20</a:t>
             </a:fld>
             <a:endParaRPr kumimoji="1" lang="zh-CN" altLang="en-US"/>
           </a:p>
@@ -2540,8 +2540,8 @@
         </p:nvSpPr>
         <p:spPr>
           <a:xfrm>
-            <a:off x="2271713" y="11300181"/>
-            <a:ext cx="2314575" cy="649111"/>
+            <a:off x="1817370" y="7627622"/>
+            <a:ext cx="1851660" cy="438150"/>
           </a:xfrm>
           <a:prstGeom prst="rect">
             <a:avLst/>
@@ -2551,7 +2551,7 @@
           <a:bodyPr vert="horz" lIns="91440" tIns="45720" rIns="91440" bIns="45720" rtlCol="0" anchor="ctr"/>
           <a:lstStyle>
             <a:lvl1pPr algn="ctr">
-              <a:defRPr sz="900">
+              <a:defRPr sz="720">
                 <a:solidFill>
                   <a:schemeClr val="tx1">
                     <a:tint val="75000"/>
@@ -2577,8 +2577,8 @@
         </p:nvSpPr>
         <p:spPr>
           <a:xfrm>
-            <a:off x="4843463" y="11300181"/>
-            <a:ext cx="1543050" cy="649111"/>
+            <a:off x="3874770" y="7627622"/>
+            <a:ext cx="1234440" cy="438150"/>
           </a:xfrm>
           <a:prstGeom prst="rect">
             <a:avLst/>
@@ -2588,7 +2588,7 @@
           <a:bodyPr vert="horz" lIns="91440" tIns="45720" rIns="91440" bIns="45720" rtlCol="0" anchor="ctr"/>
           <a:lstStyle>
             <a:lvl1pPr algn="r">
-              <a:defRPr sz="900">
+              <a:defRPr sz="720">
                 <a:solidFill>
                   <a:schemeClr val="tx1">
                     <a:tint val="75000"/>
@@ -2609,27 +2609,27 @@
     </p:spTree>
     <p:extLst>
       <p:ext uri="{BB962C8B-B14F-4D97-AF65-F5344CB8AC3E}">
-        <p14:creationId xmlns:p14="http://schemas.microsoft.com/office/powerpoint/2010/main" val="855402455"/>
+        <p14:creationId xmlns:p14="http://schemas.microsoft.com/office/powerpoint/2010/main" val="625272226"/>
       </p:ext>
     </p:extLst>
   </p:cSld>
   <p:clrMap bg1="lt1" tx1="dk1" bg2="lt2" tx2="dk2" accent1="accent1" accent2="accent2" accent3="accent3" accent4="accent4" accent5="accent5" accent6="accent6" hlink="hlink" folHlink="folHlink"/>
   <p:sldLayoutIdLst>
-    <p:sldLayoutId id="2147483661" r:id="rId1"/>
-    <p:sldLayoutId id="2147483662" r:id="rId2"/>
-    <p:sldLayoutId id="2147483663" r:id="rId3"/>
-    <p:sldLayoutId id="2147483664" r:id="rId4"/>
-    <p:sldLayoutId id="2147483665" r:id="rId5"/>
-    <p:sldLayoutId id="2147483666" r:id="rId6"/>
-    <p:sldLayoutId id="2147483667" r:id="rId7"/>
-    <p:sldLayoutId id="2147483668" r:id="rId8"/>
-    <p:sldLayoutId id="2147483669" r:id="rId9"/>
-    <p:sldLayoutId id="2147483670" r:id="rId10"/>
-    <p:sldLayoutId id="2147483671" r:id="rId11"/>
+    <p:sldLayoutId id="2147483697" r:id="rId1"/>
+    <p:sldLayoutId id="2147483698" r:id="rId2"/>
+    <p:sldLayoutId id="2147483699" r:id="rId3"/>
+    <p:sldLayoutId id="2147483700" r:id="rId4"/>
+    <p:sldLayoutId id="2147483701" r:id="rId5"/>
+    <p:sldLayoutId id="2147483702" r:id="rId6"/>
+    <p:sldLayoutId id="2147483703" r:id="rId7"/>
+    <p:sldLayoutId id="2147483704" r:id="rId8"/>
+    <p:sldLayoutId id="2147483705" r:id="rId9"/>
+    <p:sldLayoutId id="2147483706" r:id="rId10"/>
+    <p:sldLayoutId id="2147483707" r:id="rId11"/>
   </p:sldLayoutIdLst>
   <p:txStyles>
     <p:titleStyle>
-      <a:lvl1pPr algn="l" defTabSz="685800" rtl="0" eaLnBrk="1" latinLnBrk="0" hangingPunct="1">
+      <a:lvl1pPr algn="l" defTabSz="548640" rtl="0" eaLnBrk="1" latinLnBrk="0" hangingPunct="1">
         <a:lnSpc>
           <a:spcPct val="90000"/>
         </a:lnSpc>
@@ -2637,7 +2637,7 @@
           <a:spcPct val="0"/>
         </a:spcBef>
         <a:buNone/>
-        <a:defRPr sz="3300" kern="1200">
+        <a:defRPr sz="2640" kern="1200">
           <a:solidFill>
             <a:schemeClr val="tx1"/>
           </a:solidFill>
@@ -2648,16 +2648,16 @@
       </a:lvl1pPr>
     </p:titleStyle>
     <p:bodyStyle>
-      <a:lvl1pPr marL="171450" indent="-171450" algn="l" defTabSz="685800" rtl="0" eaLnBrk="1" latinLnBrk="0" hangingPunct="1">
+      <a:lvl1pPr marL="137160" indent="-137160" algn="l" defTabSz="548640" rtl="0" eaLnBrk="1" latinLnBrk="0" hangingPunct="1">
         <a:lnSpc>
           <a:spcPct val="90000"/>
         </a:lnSpc>
         <a:spcBef>
-          <a:spcPts val="750"/>
+          <a:spcPts val="600"/>
         </a:spcBef>
         <a:buFont typeface="Arial" panose="020B0604020202020204" pitchFamily="34" charset="0"/>
         <a:buChar char="•"/>
-        <a:defRPr sz="2100" kern="1200">
+        <a:defRPr sz="1680" kern="1200">
           <a:solidFill>
             <a:schemeClr val="tx1"/>
           </a:solidFill>
@@ -2666,16 +2666,16 @@
           <a:cs typeface="+mn-cs"/>
         </a:defRPr>
       </a:lvl1pPr>
-      <a:lvl2pPr marL="514350" indent="-171450" algn="l" defTabSz="685800" rtl="0" eaLnBrk="1" latinLnBrk="0" hangingPunct="1">
+      <a:lvl2pPr marL="411480" indent="-137160" algn="l" defTabSz="548640" rtl="0" eaLnBrk="1" latinLnBrk="0" hangingPunct="1">
         <a:lnSpc>
           <a:spcPct val="90000"/>
         </a:lnSpc>
         <a:spcBef>
-          <a:spcPts val="375"/>
+          <a:spcPts val="300"/>
         </a:spcBef>
         <a:buFont typeface="Arial" panose="020B0604020202020204" pitchFamily="34" charset="0"/>
         <a:buChar char="•"/>
-        <a:defRPr sz="1800" kern="1200">
+        <a:defRPr sz="1440" kern="1200">
           <a:solidFill>
             <a:schemeClr val="tx1"/>
           </a:solidFill>
@@ -2684,16 +2684,16 @@
           <a:cs typeface="+mn-cs"/>
         </a:defRPr>
       </a:lvl2pPr>
-      <a:lvl3pPr marL="857250" indent="-171450" algn="l" defTabSz="685800" rtl="0" eaLnBrk="1" latinLnBrk="0" hangingPunct="1">
+      <a:lvl3pPr marL="685800" indent="-137160" algn="l" defTabSz="548640" rtl="0" eaLnBrk="1" latinLnBrk="0" hangingPunct="1">
         <a:lnSpc>
           <a:spcPct val="90000"/>
         </a:lnSpc>
         <a:spcBef>
-          <a:spcPts val="375"/>
+          <a:spcPts val="300"/>
         </a:spcBef>
         <a:buFont typeface="Arial" panose="020B0604020202020204" pitchFamily="34" charset="0"/>
         <a:buChar char="•"/>
-        <a:defRPr sz="1500" kern="1200">
+        <a:defRPr sz="1200" kern="1200">
           <a:solidFill>
             <a:schemeClr val="tx1"/>
           </a:solidFill>
@@ -2702,16 +2702,16 @@
           <a:cs typeface="+mn-cs"/>
         </a:defRPr>
       </a:lvl3pPr>
-      <a:lvl4pPr marL="1200150" indent="-171450" algn="l" defTabSz="685800" rtl="0" eaLnBrk="1" latinLnBrk="0" hangingPunct="1">
+      <a:lvl4pPr marL="960120" indent="-137160" algn="l" defTabSz="548640" rtl="0" eaLnBrk="1" latinLnBrk="0" hangingPunct="1">
         <a:lnSpc>
           <a:spcPct val="90000"/>
         </a:lnSpc>
         <a:spcBef>
-          <a:spcPts val="375"/>
+          <a:spcPts val="300"/>
         </a:spcBef>
         <a:buFont typeface="Arial" panose="020B0604020202020204" pitchFamily="34" charset="0"/>
         <a:buChar char="•"/>
-        <a:defRPr sz="1350" kern="1200">
+        <a:defRPr sz="1080" kern="1200">
           <a:solidFill>
             <a:schemeClr val="tx1"/>
           </a:solidFill>
@@ -2720,16 +2720,16 @@
           <a:cs typeface="+mn-cs"/>
         </a:defRPr>
       </a:lvl4pPr>
-      <a:lvl5pPr marL="1543050" indent="-171450" algn="l" defTabSz="685800" rtl="0" eaLnBrk="1" latinLnBrk="0" hangingPunct="1">
+      <a:lvl5pPr marL="1234440" indent="-137160" algn="l" defTabSz="548640" rtl="0" eaLnBrk="1" latinLnBrk="0" hangingPunct="1">
         <a:lnSpc>
           <a:spcPct val="90000"/>
         </a:lnSpc>
         <a:spcBef>
-          <a:spcPts val="375"/>
+          <a:spcPts val="300"/>
         </a:spcBef>
         <a:buFont typeface="Arial" panose="020B0604020202020204" pitchFamily="34" charset="0"/>
         <a:buChar char="•"/>
-        <a:defRPr sz="1350" kern="1200">
+        <a:defRPr sz="1080" kern="1200">
           <a:solidFill>
             <a:schemeClr val="tx1"/>
           </a:solidFill>
@@ -2738,16 +2738,16 @@
           <a:cs typeface="+mn-cs"/>
         </a:defRPr>
       </a:lvl5pPr>
-      <a:lvl6pPr marL="1885950" indent="-171450" algn="l" defTabSz="685800" rtl="0" eaLnBrk="1" latinLnBrk="0" hangingPunct="1">
+      <a:lvl6pPr marL="1508760" indent="-137160" algn="l" defTabSz="548640" rtl="0" eaLnBrk="1" latinLnBrk="0" hangingPunct="1">
         <a:lnSpc>
           <a:spcPct val="90000"/>
         </a:lnSpc>
         <a:spcBef>
-          <a:spcPts val="375"/>
+          <a:spcPts val="300"/>
         </a:spcBef>
         <a:buFont typeface="Arial" panose="020B0604020202020204" pitchFamily="34" charset="0"/>
         <a:buChar char="•"/>
-        <a:defRPr sz="1350" kern="1200">
+        <a:defRPr sz="1080" kern="1200">
           <a:solidFill>
             <a:schemeClr val="tx1"/>
           </a:solidFill>
@@ -2756,16 +2756,16 @@
           <a:cs typeface="+mn-cs"/>
         </a:defRPr>
       </a:lvl6pPr>
-      <a:lvl7pPr marL="2228850" indent="-171450" algn="l" defTabSz="685800" rtl="0" eaLnBrk="1" latinLnBrk="0" hangingPunct="1">
+      <a:lvl7pPr marL="1783080" indent="-137160" algn="l" defTabSz="548640" rtl="0" eaLnBrk="1" latinLnBrk="0" hangingPunct="1">
         <a:lnSpc>
           <a:spcPct val="90000"/>
         </a:lnSpc>
         <a:spcBef>
-          <a:spcPts val="375"/>
+          <a:spcPts val="300"/>
         </a:spcBef>
         <a:buFont typeface="Arial" panose="020B0604020202020204" pitchFamily="34" charset="0"/>
         <a:buChar char="•"/>
-        <a:defRPr sz="1350" kern="1200">
+        <a:defRPr sz="1080" kern="1200">
           <a:solidFill>
             <a:schemeClr val="tx1"/>
           </a:solidFill>
@@ -2774,16 +2774,16 @@
           <a:cs typeface="+mn-cs"/>
         </a:defRPr>
       </a:lvl7pPr>
-      <a:lvl8pPr marL="2571750" indent="-171450" algn="l" defTabSz="685800" rtl="0" eaLnBrk="1" latinLnBrk="0" hangingPunct="1">
+      <a:lvl8pPr marL="2057400" indent="-137160" algn="l" defTabSz="548640" rtl="0" eaLnBrk="1" latinLnBrk="0" hangingPunct="1">
         <a:lnSpc>
           <a:spcPct val="90000"/>
         </a:lnSpc>
         <a:spcBef>
-          <a:spcPts val="375"/>
+          <a:spcPts val="300"/>
         </a:spcBef>
         <a:buFont typeface="Arial" panose="020B0604020202020204" pitchFamily="34" charset="0"/>
         <a:buChar char="•"/>
-        <a:defRPr sz="1350" kern="1200">
+        <a:defRPr sz="1080" kern="1200">
           <a:solidFill>
             <a:schemeClr val="tx1"/>
           </a:solidFill>
@@ -2792,16 +2792,16 @@
           <a:cs typeface="+mn-cs"/>
         </a:defRPr>
       </a:lvl8pPr>
-      <a:lvl9pPr marL="2914650" indent="-171450" algn="l" defTabSz="685800" rtl="0" eaLnBrk="1" latinLnBrk="0" hangingPunct="1">
+      <a:lvl9pPr marL="2331720" indent="-137160" algn="l" defTabSz="548640" rtl="0" eaLnBrk="1" latinLnBrk="0" hangingPunct="1">
         <a:lnSpc>
           <a:spcPct val="90000"/>
         </a:lnSpc>
         <a:spcBef>
-          <a:spcPts val="375"/>
+          <a:spcPts val="300"/>
         </a:spcBef>
         <a:buFont typeface="Arial" panose="020B0604020202020204" pitchFamily="34" charset="0"/>
         <a:buChar char="•"/>
-        <a:defRPr sz="1350" kern="1200">
+        <a:defRPr sz="1080" kern="1200">
           <a:solidFill>
             <a:schemeClr val="tx1"/>
           </a:solidFill>
@@ -2815,8 +2815,8 @@
       <a:defPPr>
         <a:defRPr lang="en-US"/>
       </a:defPPr>
-      <a:lvl1pPr marL="0" algn="l" defTabSz="685800" rtl="0" eaLnBrk="1" latinLnBrk="0" hangingPunct="1">
-        <a:defRPr sz="1350" kern="1200">
+      <a:lvl1pPr marL="0" algn="l" defTabSz="548640" rtl="0" eaLnBrk="1" latinLnBrk="0" hangingPunct="1">
+        <a:defRPr sz="1080" kern="1200">
           <a:solidFill>
             <a:schemeClr val="tx1"/>
           </a:solidFill>
@@ -2825,8 +2825,8 @@
           <a:cs typeface="+mn-cs"/>
         </a:defRPr>
       </a:lvl1pPr>
-      <a:lvl2pPr marL="342900" algn="l" defTabSz="685800" rtl="0" eaLnBrk="1" latinLnBrk="0" hangingPunct="1">
-        <a:defRPr sz="1350" kern="1200">
+      <a:lvl2pPr marL="274320" algn="l" defTabSz="548640" rtl="0" eaLnBrk="1" latinLnBrk="0" hangingPunct="1">
+        <a:defRPr sz="1080" kern="1200">
           <a:solidFill>
             <a:schemeClr val="tx1"/>
           </a:solidFill>
@@ -2835,8 +2835,8 @@
           <a:cs typeface="+mn-cs"/>
         </a:defRPr>
       </a:lvl2pPr>
-      <a:lvl3pPr marL="685800" algn="l" defTabSz="685800" rtl="0" eaLnBrk="1" latinLnBrk="0" hangingPunct="1">
-        <a:defRPr sz="1350" kern="1200">
+      <a:lvl3pPr marL="548640" algn="l" defTabSz="548640" rtl="0" eaLnBrk="1" latinLnBrk="0" hangingPunct="1">
+        <a:defRPr sz="1080" kern="1200">
           <a:solidFill>
             <a:schemeClr val="tx1"/>
           </a:solidFill>
@@ -2845,8 +2845,8 @@
           <a:cs typeface="+mn-cs"/>
         </a:defRPr>
       </a:lvl3pPr>
-      <a:lvl4pPr marL="1028700" algn="l" defTabSz="685800" rtl="0" eaLnBrk="1" latinLnBrk="0" hangingPunct="1">
-        <a:defRPr sz="1350" kern="1200">
+      <a:lvl4pPr marL="822960" algn="l" defTabSz="548640" rtl="0" eaLnBrk="1" latinLnBrk="0" hangingPunct="1">
+        <a:defRPr sz="1080" kern="1200">
           <a:solidFill>
             <a:schemeClr val="tx1"/>
           </a:solidFill>
@@ -2855,8 +2855,8 @@
           <a:cs typeface="+mn-cs"/>
         </a:defRPr>
       </a:lvl4pPr>
-      <a:lvl5pPr marL="1371600" algn="l" defTabSz="685800" rtl="0" eaLnBrk="1" latinLnBrk="0" hangingPunct="1">
-        <a:defRPr sz="1350" kern="1200">
+      <a:lvl5pPr marL="1097280" algn="l" defTabSz="548640" rtl="0" eaLnBrk="1" latinLnBrk="0" hangingPunct="1">
+        <a:defRPr sz="1080" kern="1200">
           <a:solidFill>
             <a:schemeClr val="tx1"/>
           </a:solidFill>
@@ -2865,8 +2865,8 @@
           <a:cs typeface="+mn-cs"/>
         </a:defRPr>
       </a:lvl5pPr>
-      <a:lvl6pPr marL="1714500" algn="l" defTabSz="685800" rtl="0" eaLnBrk="1" latinLnBrk="0" hangingPunct="1">
-        <a:defRPr sz="1350" kern="1200">
+      <a:lvl6pPr marL="1371600" algn="l" defTabSz="548640" rtl="0" eaLnBrk="1" latinLnBrk="0" hangingPunct="1">
+        <a:defRPr sz="1080" kern="1200">
           <a:solidFill>
             <a:schemeClr val="tx1"/>
           </a:solidFill>
@@ -2875,8 +2875,8 @@
           <a:cs typeface="+mn-cs"/>
         </a:defRPr>
       </a:lvl6pPr>
-      <a:lvl7pPr marL="2057400" algn="l" defTabSz="685800" rtl="0" eaLnBrk="1" latinLnBrk="0" hangingPunct="1">
-        <a:defRPr sz="1350" kern="1200">
+      <a:lvl7pPr marL="1645920" algn="l" defTabSz="548640" rtl="0" eaLnBrk="1" latinLnBrk="0" hangingPunct="1">
+        <a:defRPr sz="1080" kern="1200">
           <a:solidFill>
             <a:schemeClr val="tx1"/>
           </a:solidFill>
@@ -2885,8 +2885,8 @@
           <a:cs typeface="+mn-cs"/>
         </a:defRPr>
       </a:lvl7pPr>
-      <a:lvl8pPr marL="2400300" algn="l" defTabSz="685800" rtl="0" eaLnBrk="1" latinLnBrk="0" hangingPunct="1">
-        <a:defRPr sz="1350" kern="1200">
+      <a:lvl8pPr marL="1920240" algn="l" defTabSz="548640" rtl="0" eaLnBrk="1" latinLnBrk="0" hangingPunct="1">
+        <a:defRPr sz="1080" kern="1200">
           <a:solidFill>
             <a:schemeClr val="tx1"/>
           </a:solidFill>
@@ -2895,8 +2895,8 @@
           <a:cs typeface="+mn-cs"/>
         </a:defRPr>
       </a:lvl8pPr>
-      <a:lvl9pPr marL="2743200" algn="l" defTabSz="685800" rtl="0" eaLnBrk="1" latinLnBrk="0" hangingPunct="1">
-        <a:defRPr sz="1350" kern="1200">
+      <a:lvl9pPr marL="2194560" algn="l" defTabSz="548640" rtl="0" eaLnBrk="1" latinLnBrk="0" hangingPunct="1">
+        <a:defRPr sz="1080" kern="1200">
           <a:solidFill>
             <a:schemeClr val="tx1"/>
           </a:solidFill>
@@ -2935,7 +2935,7 @@
         </p:nvSpPr>
         <p:spPr>
           <a:xfrm>
-            <a:off x="1585911" y="9508330"/>
+            <a:off x="900111" y="5826905"/>
             <a:ext cx="3686176" cy="2257425"/>
           </a:xfrm>
           <a:prstGeom prst="roundRect">
@@ -2980,7 +2980,7 @@
             </p:nvSpPr>
             <p:spPr>
               <a:xfrm>
-                <a:off x="1757363" y="9639298"/>
+                <a:off x="1071566" y="5957870"/>
                 <a:ext cx="528637" cy="1995488"/>
               </a:xfrm>
               <a:prstGeom prst="roundRect">
@@ -3018,7 +3018,7 @@
                       <m:sSub>
                         <m:sSubPr>
                           <m:ctrlPr>
-                            <a:rPr kumimoji="1" lang="en-US" altLang="zh-CN" b="0" i="1" smtClean="0">
+                            <a:rPr kumimoji="1" lang="en-US" altLang="zh-CN" i="1">
                               <a:solidFill>
                                 <a:schemeClr val="tx1"/>
                               </a:solidFill>
@@ -3028,7 +3028,7 @@
                         </m:sSubPr>
                         <m:e>
                           <m:r>
-                            <a:rPr kumimoji="1" lang="en-US" altLang="zh-CN" b="0" i="1" smtClean="0">
+                            <a:rPr kumimoji="1" lang="en-US" altLang="zh-CN" i="1">
                               <a:solidFill>
                                 <a:schemeClr val="tx1"/>
                               </a:solidFill>
@@ -3039,7 +3039,7 @@
                         </m:e>
                         <m:sub>
                           <m:r>
-                            <a:rPr kumimoji="1" lang="en-US" altLang="zh-CN" b="0" i="1" smtClean="0">
+                            <a:rPr kumimoji="1" lang="en-US" altLang="zh-CN" i="1">
                               <a:solidFill>
                                 <a:schemeClr val="tx1"/>
                               </a:solidFill>
@@ -3072,7 +3072,7 @@
             </p:nvSpPr>
             <p:spPr>
               <a:xfrm>
-                <a:off x="1757363" y="9639298"/>
+                <a:off x="1071566" y="5957870"/>
                 <a:ext cx="528637" cy="1995488"/>
               </a:xfrm>
               <a:prstGeom prst="roundRect">
@@ -3108,8 +3108,8 @@
         </p:nvSpPr>
         <p:spPr>
           <a:xfrm>
-            <a:off x="307181" y="8284858"/>
-            <a:ext cx="6243637" cy="528637"/>
+            <a:off x="185741" y="4960049"/>
+            <a:ext cx="5129211" cy="528637"/>
           </a:xfrm>
           <a:prstGeom prst="roundRect">
             <a:avLst/>
@@ -3138,7 +3138,7 @@
           <a:p>
             <a:pPr algn="ctr"/>
             <a:r>
-              <a:rPr kumimoji="1" lang="en-US" altLang="zh-CN" dirty="0" smtClean="0">
+              <a:rPr kumimoji="1" lang="en-US" altLang="zh-CN" dirty="0">
                 <a:solidFill>
                   <a:schemeClr val="tx1"/>
                 </a:solidFill>
@@ -3161,8 +3161,8 @@
         </p:nvSpPr>
         <p:spPr>
           <a:xfrm>
-            <a:off x="307181" y="7064472"/>
-            <a:ext cx="2907508" cy="528637"/>
+            <a:off x="185739" y="4005087"/>
+            <a:ext cx="2343150" cy="528637"/>
           </a:xfrm>
           <a:prstGeom prst="roundRect">
             <a:avLst/>
@@ -3191,7 +3191,7 @@
           <a:p>
             <a:pPr algn="ctr"/>
             <a:r>
-              <a:rPr kumimoji="1" lang="en-US" altLang="zh-CN" dirty="0" smtClean="0">
+              <a:rPr kumimoji="1" lang="en-US" altLang="zh-CN" dirty="0">
                 <a:solidFill>
                   <a:schemeClr val="tx1"/>
                 </a:solidFill>
@@ -3214,8 +3214,8 @@
         </p:nvSpPr>
         <p:spPr>
           <a:xfrm>
-            <a:off x="3643310" y="7064471"/>
-            <a:ext cx="2907508" cy="528637"/>
+            <a:off x="2957511" y="4005086"/>
+            <a:ext cx="2357441" cy="528637"/>
           </a:xfrm>
           <a:prstGeom prst="roundRect">
             <a:avLst/>
@@ -3244,7 +3244,7 @@
           <a:p>
             <a:pPr algn="ctr"/>
             <a:r>
-              <a:rPr kumimoji="1" lang="en-US" altLang="zh-CN" dirty="0" smtClean="0">
+              <a:rPr kumimoji="1" lang="en-US" altLang="zh-CN" dirty="0">
                 <a:solidFill>
                   <a:schemeClr val="tx1"/>
                 </a:solidFill>
@@ -3267,8 +3267,8 @@
         </p:nvSpPr>
         <p:spPr>
           <a:xfrm>
-            <a:off x="1966314" y="4723713"/>
-            <a:ext cx="2907508" cy="528637"/>
+            <a:off x="185739" y="2150256"/>
+            <a:ext cx="5129212" cy="528637"/>
           </a:xfrm>
           <a:prstGeom prst="roundRect">
             <a:avLst/>
@@ -3297,7 +3297,7 @@
           <a:p>
             <a:pPr algn="ctr"/>
             <a:r>
-              <a:rPr kumimoji="1" lang="en-US" altLang="zh-CN" dirty="0" err="1" smtClean="0">
+              <a:rPr kumimoji="1" lang="en-US" altLang="zh-CN" dirty="0" err="1">
                 <a:solidFill>
                   <a:schemeClr val="tx1"/>
                 </a:solidFill>
@@ -3320,8 +3320,8 @@
         </p:nvSpPr>
         <p:spPr>
           <a:xfrm>
-            <a:off x="1975246" y="3499227"/>
-            <a:ext cx="2907508" cy="528637"/>
+            <a:off x="185739" y="1266310"/>
+            <a:ext cx="5129212" cy="528637"/>
           </a:xfrm>
           <a:prstGeom prst="roundRect">
             <a:avLst/>
@@ -3350,7 +3350,7 @@
           <a:p>
             <a:pPr algn="ctr"/>
             <a:r>
-              <a:rPr kumimoji="1" lang="en-US" altLang="zh-CN" dirty="0" smtClean="0">
+              <a:rPr kumimoji="1" lang="en-US" altLang="zh-CN" dirty="0">
                 <a:solidFill>
                   <a:schemeClr val="tx1"/>
                 </a:solidFill>
@@ -3373,8 +3373,8 @@
         </p:nvSpPr>
         <p:spPr>
           <a:xfrm>
-            <a:off x="1975245" y="2278840"/>
-            <a:ext cx="2907508" cy="528637"/>
+            <a:off x="185739" y="331420"/>
+            <a:ext cx="5129212" cy="528637"/>
           </a:xfrm>
           <a:prstGeom prst="roundRect">
             <a:avLst/>
@@ -3403,65 +3403,12 @@
           <a:p>
             <a:pPr algn="ctr"/>
             <a:r>
-              <a:rPr kumimoji="1" lang="en-US" altLang="zh-CN" dirty="0" smtClean="0">
+              <a:rPr kumimoji="1" lang="en-US" altLang="zh-CN" dirty="0">
                 <a:solidFill>
                   <a:schemeClr val="tx1"/>
                 </a:solidFill>
               </a:rPr>
               <a:t>Sigmoid</a:t>
-            </a:r>
-            <a:endParaRPr kumimoji="1" lang="zh-CN" altLang="en-US" dirty="0">
-              <a:solidFill>
-                <a:schemeClr val="tx1"/>
-              </a:solidFill>
-            </a:endParaRPr>
-          </a:p>
-        </p:txBody>
-      </p:sp>
-      <p:sp>
-        <p:nvSpPr>
-          <p:cNvPr id="20" name="圆角矩形 19"/>
-          <p:cNvSpPr/>
-          <p:nvPr/>
-        </p:nvSpPr>
-        <p:spPr>
-          <a:xfrm>
-            <a:off x="2809278" y="1058453"/>
-            <a:ext cx="1239444" cy="528637"/>
-          </a:xfrm>
-          <a:prstGeom prst="roundRect">
-            <a:avLst/>
-          </a:prstGeom>
-          <a:noFill/>
-        </p:spPr>
-        <p:style>
-          <a:lnRef idx="2">
-            <a:schemeClr val="accent1">
-              <a:shade val="50000"/>
-            </a:schemeClr>
-          </a:lnRef>
-          <a:fillRef idx="1">
-            <a:schemeClr val="accent1"/>
-          </a:fillRef>
-          <a:effectRef idx="0">
-            <a:schemeClr val="accent1"/>
-          </a:effectRef>
-          <a:fontRef idx="minor">
-            <a:schemeClr val="lt1"/>
-          </a:fontRef>
-        </p:style>
-        <p:txBody>
-          <a:bodyPr rtlCol="0" anchor="ctr"/>
-          <a:lstStyle/>
-          <a:p>
-            <a:pPr algn="ctr"/>
-            <a:r>
-              <a:rPr kumimoji="1" lang="en-US" altLang="zh-CN" dirty="0" smtClean="0">
-                <a:solidFill>
-                  <a:schemeClr val="tx1"/>
-                </a:solidFill>
-              </a:rPr>
-              <a:t>Output</a:t>
             </a:r>
             <a:endParaRPr kumimoji="1" lang="zh-CN" altLang="en-US" dirty="0">
               <a:solidFill>
@@ -3481,7 +3428,7 @@
             </p:nvSpPr>
             <p:spPr>
               <a:xfrm>
-                <a:off x="2544959" y="9639298"/>
+                <a:off x="1859162" y="5957870"/>
                 <a:ext cx="528637" cy="1995488"/>
               </a:xfrm>
               <a:prstGeom prst="roundRect">
@@ -3519,7 +3466,7 @@
                       <m:sSub>
                         <m:sSubPr>
                           <m:ctrlPr>
-                            <a:rPr kumimoji="1" lang="en-US" altLang="zh-CN" b="0" i="1" smtClean="0">
+                            <a:rPr kumimoji="1" lang="en-US" altLang="zh-CN" i="1">
                               <a:solidFill>
                                 <a:schemeClr val="tx1"/>
                               </a:solidFill>
@@ -3529,7 +3476,7 @@
                         </m:sSubPr>
                         <m:e>
                           <m:r>
-                            <a:rPr kumimoji="1" lang="en-US" altLang="zh-CN" b="0" i="1" smtClean="0">
+                            <a:rPr kumimoji="1" lang="en-US" altLang="zh-CN" i="1">
                               <a:solidFill>
                                 <a:schemeClr val="tx1"/>
                               </a:solidFill>
@@ -3540,7 +3487,7 @@
                         </m:e>
                         <m:sub>
                           <m:r>
-                            <a:rPr kumimoji="1" lang="en-US" altLang="zh-CN" b="0" i="1" smtClean="0">
+                            <a:rPr kumimoji="1" lang="en-US" altLang="zh-CN" i="1">
                               <a:solidFill>
                                 <a:schemeClr val="tx1"/>
                               </a:solidFill>
@@ -3573,7 +3520,7 @@
             </p:nvSpPr>
             <p:spPr>
               <a:xfrm>
-                <a:off x="2544959" y="9639298"/>
+                <a:off x="1859162" y="5957870"/>
                 <a:ext cx="528637" cy="1995488"/>
               </a:xfrm>
               <a:prstGeom prst="roundRect">
@@ -3611,7 +3558,7 @@
             </p:nvSpPr>
             <p:spPr>
               <a:xfrm>
-                <a:off x="4568427" y="9639298"/>
+                <a:off x="3882630" y="5957870"/>
                 <a:ext cx="528637" cy="1995488"/>
               </a:xfrm>
               <a:prstGeom prst="roundRect">
@@ -3649,7 +3596,7 @@
                       <m:sSub>
                         <m:sSubPr>
                           <m:ctrlPr>
-                            <a:rPr kumimoji="1" lang="en-US" altLang="zh-CN" b="0" i="1" smtClean="0">
+                            <a:rPr kumimoji="1" lang="en-US" altLang="zh-CN" i="1">
                               <a:solidFill>
                                 <a:schemeClr val="tx1"/>
                               </a:solidFill>
@@ -3659,7 +3606,7 @@
                         </m:sSubPr>
                         <m:e>
                           <m:r>
-                            <a:rPr kumimoji="1" lang="en-US" altLang="zh-CN" b="0" i="1" smtClean="0">
+                            <a:rPr kumimoji="1" lang="en-US" altLang="zh-CN" i="1">
                               <a:solidFill>
                                 <a:schemeClr val="tx1"/>
                               </a:solidFill>
@@ -3670,7 +3617,7 @@
                         </m:e>
                         <m:sub>
                           <m:r>
-                            <a:rPr kumimoji="1" lang="en-US" altLang="zh-CN" b="0" i="1" smtClean="0">
+                            <a:rPr kumimoji="1" lang="en-US" altLang="zh-CN" i="1">
                               <a:solidFill>
                                 <a:schemeClr val="tx1"/>
                               </a:solidFill>
@@ -3703,7 +3650,7 @@
             </p:nvSpPr>
             <p:spPr>
               <a:xfrm>
-                <a:off x="4568427" y="9639298"/>
+                <a:off x="3882630" y="5957870"/>
                 <a:ext cx="528637" cy="1995488"/>
               </a:xfrm>
               <a:prstGeom prst="roundRect">
@@ -3739,7 +3686,7 @@
         </p:nvSpPr>
         <p:spPr>
           <a:xfrm>
-            <a:off x="3214688" y="5944100"/>
+            <a:off x="2528891" y="3034202"/>
             <a:ext cx="428621" cy="428621"/>
           </a:xfrm>
           <a:prstGeom prst="ellipse">
@@ -3769,7 +3716,7 @@
           <a:p>
             <a:pPr algn="ctr"/>
             <a:r>
-              <a:rPr kumimoji="1" lang="en-US" altLang="zh-CN" sz="3200" dirty="0" smtClean="0">
+              <a:rPr kumimoji="1" lang="en-US" altLang="zh-CN" sz="3200" dirty="0">
                 <a:solidFill>
                   <a:schemeClr val="tx1"/>
                 </a:solidFill>
@@ -3795,8 +3742,8 @@
         </p:nvCxnSpPr>
         <p:spPr>
           <a:xfrm flipV="1">
-            <a:off x="3428999" y="8813495"/>
-            <a:ext cx="1" cy="694835"/>
+            <a:off x="2743199" y="5488686"/>
+            <a:ext cx="7146" cy="338219"/>
           </a:xfrm>
           <a:prstGeom prst="straightConnector1">
             <a:avLst/>
@@ -3831,8 +3778,8 @@
         </p:nvCxnSpPr>
         <p:spPr>
           <a:xfrm flipH="1" flipV="1">
-            <a:off x="1760935" y="7593109"/>
-            <a:ext cx="1668065" cy="691749"/>
+            <a:off x="1357316" y="4533724"/>
+            <a:ext cx="1393031" cy="426325"/>
           </a:xfrm>
           <a:prstGeom prst="straightConnector1">
             <a:avLst/>
@@ -3867,8 +3814,8 @@
         </p:nvCxnSpPr>
         <p:spPr>
           <a:xfrm flipV="1">
-            <a:off x="3429000" y="7593108"/>
-            <a:ext cx="1668064" cy="691750"/>
+            <a:off x="2750347" y="4533721"/>
+            <a:ext cx="1385885" cy="426326"/>
           </a:xfrm>
           <a:prstGeom prst="straightConnector1">
             <a:avLst/>
@@ -3903,8 +3850,8 @@
         </p:nvCxnSpPr>
         <p:spPr>
           <a:xfrm flipV="1">
-            <a:off x="1760935" y="6372721"/>
-            <a:ext cx="1668064" cy="691751"/>
+            <a:off x="1357314" y="3462821"/>
+            <a:ext cx="1385886" cy="542264"/>
           </a:xfrm>
           <a:prstGeom prst="straightConnector1">
             <a:avLst/>
@@ -3939,8 +3886,8 @@
         </p:nvCxnSpPr>
         <p:spPr>
           <a:xfrm flipH="1" flipV="1">
-            <a:off x="3428999" y="6372721"/>
-            <a:ext cx="1668065" cy="691750"/>
+            <a:off x="2743200" y="3462823"/>
+            <a:ext cx="1393030" cy="542263"/>
           </a:xfrm>
           <a:prstGeom prst="straightConnector1">
             <a:avLst/>
@@ -3974,9 +3921,9 @@
           <p:nvPr/>
         </p:nvCxnSpPr>
         <p:spPr>
-          <a:xfrm flipH="1" flipV="1">
-            <a:off x="3420068" y="5252350"/>
-            <a:ext cx="8931" cy="691750"/>
+          <a:xfrm flipV="1">
+            <a:off x="2743202" y="2678893"/>
+            <a:ext cx="7145" cy="355309"/>
           </a:xfrm>
           <a:prstGeom prst="straightConnector1">
             <a:avLst/>
@@ -4011,8 +3958,8 @@
         </p:nvCxnSpPr>
         <p:spPr>
           <a:xfrm flipV="1">
-            <a:off x="3420068" y="4027864"/>
-            <a:ext cx="8932" cy="695849"/>
+            <a:off x="2750345" y="1794947"/>
+            <a:ext cx="0" cy="355309"/>
           </a:xfrm>
           <a:prstGeom prst="straightConnector1">
             <a:avLst/>
@@ -4046,9 +3993,9 @@
           <p:nvPr/>
         </p:nvCxnSpPr>
         <p:spPr>
-          <a:xfrm flipH="1" flipV="1">
-            <a:off x="3428999" y="2807477"/>
-            <a:ext cx="1" cy="691750"/>
+          <a:xfrm flipV="1">
+            <a:off x="2750345" y="860057"/>
+            <a:ext cx="0" cy="406253"/>
           </a:xfrm>
           <a:prstGeom prst="straightConnector1">
             <a:avLst/>
@@ -4072,42 +4019,52 @@
           </a:fontRef>
         </p:style>
       </p:cxnSp>
-      <p:cxnSp>
-        <p:nvCxnSpPr>
-          <p:cNvPr id="49" name="直线箭头连接符 48"/>
-          <p:cNvCxnSpPr>
-            <a:stCxn id="15" idx="0"/>
-            <a:endCxn id="20" idx="2"/>
-          </p:cNvCxnSpPr>
+      <p:sp>
+        <p:nvSpPr>
+          <p:cNvPr id="24" name="文本框 23"/>
+          <p:cNvSpPr txBox="1"/>
           <p:nvPr/>
-        </p:nvCxnSpPr>
+        </p:nvSpPr>
         <p:spPr>
-          <a:xfrm flipV="1">
-            <a:off x="3428999" y="1587090"/>
-            <a:ext cx="1" cy="691750"/>
+          <a:xfrm>
+            <a:off x="2734268" y="6663294"/>
+            <a:ext cx="683200" cy="584647"/>
           </a:xfrm>
-          <a:prstGeom prst="straightConnector1">
+          <a:prstGeom prst="rect">
             <a:avLst/>
           </a:prstGeom>
-          <a:ln>
-            <a:tailEnd type="triangle"/>
-          </a:ln>
+          <a:noFill/>
         </p:spPr>
-        <p:style>
-          <a:lnRef idx="1">
-            <a:schemeClr val="accent1"/>
-          </a:lnRef>
-          <a:fillRef idx="0">
-            <a:schemeClr val="accent1"/>
-          </a:fillRef>
-          <a:effectRef idx="0">
-            <a:schemeClr val="accent1"/>
-          </a:effectRef>
-          <a:fontRef idx="minor">
-            <a:schemeClr val="tx1"/>
-          </a:fontRef>
-        </p:style>
-      </p:cxnSp>
+        <p:txBody>
+          <a:bodyPr wrap="none" rtlCol="0">
+            <a:spAutoFit/>
+          </a:bodyPr>
+          <a:lstStyle/>
+          <a:p>
+            <a:r>
+              <a:rPr kumimoji="1" lang="en-US" altLang="zh-CN" sz="3199" dirty="0"/>
+              <a:t>.</a:t>
+            </a:r>
+            <a:r>
+              <a:rPr kumimoji="1" lang="zh-CN" altLang="en-US" sz="3199" dirty="0"/>
+              <a:t> </a:t>
+            </a:r>
+            <a:r>
+              <a:rPr kumimoji="1" lang="en-US" altLang="zh-CN" sz="3199" dirty="0"/>
+              <a:t>.</a:t>
+            </a:r>
+            <a:r>
+              <a:rPr kumimoji="1" lang="zh-CN" altLang="en-US" sz="3199" dirty="0"/>
+              <a:t> </a:t>
+            </a:r>
+            <a:r>
+              <a:rPr kumimoji="1" lang="en-US" altLang="zh-CN" sz="3199" dirty="0"/>
+              <a:t>.</a:t>
+            </a:r>
+            <a:endParaRPr kumimoji="1" lang="zh-CN" altLang="en-US" sz="3199" dirty="0"/>
+          </a:p>
+        </p:txBody>
+      </p:sp>
     </p:spTree>
     <p:extLst>
       <p:ext uri="{BB962C8B-B14F-4D97-AF65-F5344CB8AC3E}">
